--- a/menu.pptx
+++ b/menu.pptx
@@ -3319,6 +3319,7 @@
                     <a:lumMod val="50000"/>
                   </a:schemeClr>
                 </a:solidFill>
+                <a:latin typeface="+mj-lt"/>
               </a:rPr>
               <a:t>ith rosemary and garlic, served with rustic bread</a:t>
             </a:r>
@@ -3350,6 +3351,7 @@
                 <a:solidFill>
                   <a:srgbClr val="767171"/>
                 </a:solidFill>
+                <a:latin typeface="+mj-lt"/>
               </a:rPr>
               <a:t>With onion jam &amp; rustic bread</a:t>
             </a:r>
@@ -3359,6 +3361,7 @@
                   <a:lumMod val="50000"/>
                 </a:schemeClr>
               </a:solidFill>
+              <a:latin typeface="+mj-lt"/>
             </a:endParaRPr>
           </a:p>
           <a:p>
@@ -4232,6 +4235,7 @@
                     <a:lumMod val="50000"/>
                   </a:schemeClr>
                 </a:solidFill>
+                <a:latin typeface="+mj-lt"/>
               </a:rPr>
               <a:t>Served with garlic bread and side salad garnish</a:t>
             </a:r>
@@ -4257,6 +4261,7 @@
                     <a:lumMod val="50000"/>
                   </a:schemeClr>
                 </a:solidFill>
+                <a:latin typeface="+mj-lt"/>
               </a:rPr>
               <a:t>Slow cooked pieces of steak in a rich ale gravy, encased in a delicious pastry, served with a choice of chips or creamy mashed potato, onion gravy and peas</a:t>
             </a:r>
@@ -4282,6 +4287,7 @@
                     <a:lumMod val="50000"/>
                   </a:schemeClr>
                 </a:solidFill>
+                <a:latin typeface="+mj-lt"/>
               </a:rPr>
               <a:t>Pieces of scampi in a crispy fried crumb, served with chips &amp; peas</a:t>
             </a:r>
@@ -4319,6 +4325,7 @@
                     <a:lumMod val="50000"/>
                   </a:schemeClr>
                 </a:solidFill>
+                <a:latin typeface="+mj-lt"/>
               </a:rPr>
               <a:t>Succulent pork ribs in a delicious smoky BBQ marinade, served with sweetcorn, coleslaw &amp; chips</a:t>
             </a:r>
@@ -4329,6 +4336,7 @@
                     <a:lumMod val="50000"/>
                   </a:schemeClr>
                 </a:solidFill>
+                <a:latin typeface="+mj-lt"/>
               </a:rPr>
             </a:br>
             <a:br>
@@ -4356,6 +4364,7 @@
                     <a:lumMod val="50000"/>
                   </a:schemeClr>
                 </a:solidFill>
+                <a:latin typeface="+mj-lt"/>
               </a:rPr>
               <a:t>A generous bowl of delicious super quinoa, broccoli, avocado &amp; new potatoes</a:t>
             </a:r>
@@ -4393,6 +4402,7 @@
                     <a:lumMod val="50000"/>
                   </a:schemeClr>
                 </a:solidFill>
+                <a:latin typeface="+mj-lt"/>
               </a:rPr>
               <a:t>Layers of </a:t>
             </a:r>
@@ -4403,6 +4413,7 @@
                     <a:lumMod val="50000"/>
                   </a:schemeClr>
                 </a:solidFill>
+                <a:latin typeface="+mj-lt"/>
               </a:rPr>
               <a:t>bolognese</a:t>
             </a:r>
@@ -4413,6 +4424,7 @@
                     <a:lumMod val="50000"/>
                   </a:schemeClr>
                 </a:solidFill>
+                <a:latin typeface="+mj-lt"/>
               </a:rPr>
               <a:t> &amp; béchamel sauce, topped with melted cheese, served with fresh salad &amp; garlic bread</a:t>
             </a:r>
@@ -4450,6 +4462,7 @@
                     <a:lumMod val="50000"/>
                   </a:schemeClr>
                 </a:solidFill>
+                <a:latin typeface="+mj-lt"/>
               </a:rPr>
               <a:t>Lettuce topped with anchovies, croutons and parmesan cheese, served with a Caesar dressing</a:t>
             </a:r>
@@ -4459,7 +4472,7 @@
                   <a:lumMod val="50000"/>
                 </a:schemeClr>
               </a:solidFill>
-              <a:latin typeface="Monotype Corsiva" panose="03010101010201010101" pitchFamily="66" charset="0"/>
+              <a:latin typeface="+mj-lt"/>
             </a:endParaRPr>
           </a:p>
         </p:txBody>
